--- a/lesson-3/Black Box Testing.pptx
+++ b/lesson-3/Black Box Testing.pptx
@@ -5671,7 +5671,7 @@
                 <a:ea typeface="MS PGothic" panose="020B0600070205080204" pitchFamily="34" charset="-128"/>
                 <a:cs typeface="+mn-cs"/>
               </a:rPr>
-              <a:t>27-Oct-16</a:t>
+              <a:t>24-Nov-16</a:t>
             </a:fld>
             <a:endParaRPr kumimoji="0" lang="en-GB" sz="975" b="0" i="0" u="none" kern="1200" baseline="0" dirty="0" smtClean="0">
               <a:solidFill>
@@ -6573,11 +6573,7 @@
           <a:p>
             <a:r>
               <a:rPr lang="en-US" dirty="0" smtClean="0"/>
-              <a:t>Domain testing </a:t>
-            </a:r>
-            <a:r>
-              <a:rPr lang="en-US" dirty="0" smtClean="0"/>
-              <a:t>process – Analyze variables and create tests</a:t>
+              <a:t>Domain testing process – Analyze variables and create tests</a:t>
             </a:r>
             <a:endParaRPr lang="en-US" dirty="0"/>
           </a:p>
@@ -6836,7 +6832,6 @@
               <a:rPr lang="en-US" dirty="0"/>
               <a:t>Domain testing process – Analyze variables and create tests</a:t>
             </a:r>
-            <a:endParaRPr lang="en-US" dirty="0"/>
           </a:p>
         </p:txBody>
       </p:sp>
@@ -7736,11 +7731,7 @@
           <a:p>
             <a:r>
               <a:rPr lang="en-US" dirty="0" smtClean="0"/>
-              <a:t>Domain testing </a:t>
-            </a:r>
-            <a:r>
-              <a:rPr lang="en-US" dirty="0" smtClean="0"/>
-              <a:t>process </a:t>
+              <a:t>Domain testing process </a:t>
             </a:r>
             <a:r>
               <a:rPr lang="en-US" dirty="0"/>
@@ -8544,7 +8535,6 @@
               <a:rPr lang="en-US" dirty="0"/>
               <a:t>Domain testing process – Analyze functions</a:t>
             </a:r>
-            <a:endParaRPr lang="en-US" dirty="0"/>
           </a:p>
         </p:txBody>
       </p:sp>
@@ -9252,7 +9242,6 @@
               <a:rPr lang="en-US" dirty="0"/>
               <a:t>Domain testing process – Analyze functions</a:t>
             </a:r>
-            <a:endParaRPr lang="en-US" dirty="0"/>
           </a:p>
         </p:txBody>
       </p:sp>
@@ -10058,7 +10047,6 @@
               <a:rPr lang="en-US" dirty="0"/>
               <a:t>Domain testing process – Analyze functions</a:t>
             </a:r>
-            <a:endParaRPr lang="en-US" dirty="0"/>
           </a:p>
         </p:txBody>
       </p:sp>
@@ -12187,7 +12175,6 @@
               <a:rPr lang="en-US" dirty="0"/>
               <a:t>Domain testing process – Analyze functions</a:t>
             </a:r>
-            <a:endParaRPr lang="en-US" dirty="0"/>
           </a:p>
         </p:txBody>
       </p:sp>
@@ -13428,7 +13415,6 @@
               <a:rPr lang="en-US" dirty="0"/>
               <a:t>Domain testing process – Analyze functions</a:t>
             </a:r>
-            <a:endParaRPr lang="en-US" dirty="0"/>
           </a:p>
         </p:txBody>
       </p:sp>
@@ -15154,7 +15140,6 @@
               <a:rPr lang="en-US" dirty="0"/>
               <a:t>Domain testing process – Analyze functions</a:t>
             </a:r>
-            <a:endParaRPr lang="en-US" dirty="0"/>
           </a:p>
         </p:txBody>
       </p:sp>
@@ -17543,11 +17528,7 @@
             <a:pPr lvl="1"/>
             <a:r>
               <a:rPr lang="en-GB" noProof="0" dirty="0" smtClean="0"/>
-              <a:t>State </a:t>
-            </a:r>
-            <a:r>
-              <a:rPr lang="en-GB" noProof="0" dirty="0" smtClean="0"/>
-              <a:t>diagrams</a:t>
+              <a:t>State diagrams</a:t>
             </a:r>
           </a:p>
         </p:txBody>
@@ -18401,13 +18382,8 @@
             <a:pPr lvl="1"/>
             <a:r>
               <a:rPr lang="en-GB" noProof="0" dirty="0" smtClean="0"/>
-              <a:t>Brainstorm and exhaustively list user goals for the </a:t>
-            </a:r>
-            <a:r>
-              <a:rPr lang="en-GB" noProof="0" dirty="0" smtClean="0"/>
-              <a:t>system (Positive Cases)</a:t>
-            </a:r>
-            <a:endParaRPr lang="en-GB" noProof="0" dirty="0" smtClean="0"/>
+              <a:t>Brainstorm and exhaustively list user goals for the system (Positive Cases)</a:t>
+            </a:r>
           </a:p>
           <a:p>
             <a:pPr lvl="1"/>
@@ -18420,13 +18396,8 @@
             <a:pPr lvl="1"/>
             <a:r>
               <a:rPr lang="en-GB" noProof="0" dirty="0" smtClean="0"/>
-              <a:t>Select one use case to expand</a:t>
-            </a:r>
-            <a:r>
-              <a:rPr lang="en-GB" noProof="0" dirty="0" smtClean="0"/>
-              <a:t>.</a:t>
-            </a:r>
-            <a:endParaRPr lang="en-GB" noProof="0" dirty="0" smtClean="0"/>
+              <a:t>Select one use case to expand.</a:t>
+            </a:r>
           </a:p>
           <a:p>
             <a:pPr lvl="1"/>
@@ -20527,13 +20498,8 @@
             <a:pPr lvl="1"/>
             <a:r>
               <a:rPr lang="en-GB" b="1" noProof="0" dirty="0" smtClean="0"/>
-              <a:t>Scenario based testing – System is </a:t>
-            </a:r>
-            <a:r>
-              <a:rPr lang="en-GB" b="1" noProof="0" dirty="0" smtClean="0"/>
-              <a:t>ready</a:t>
-            </a:r>
-            <a:endParaRPr lang="en-GB" b="1" noProof="0" dirty="0" smtClean="0"/>
+              <a:t>Scenario based testing – System is ready</a:t>
+            </a:r>
           </a:p>
         </p:txBody>
       </p:sp>
@@ -21200,23 +21166,13 @@
               <a:rPr lang="en-US" dirty="0" smtClean="0"/>
               <a:t>)</a:t>
             </a:r>
-            <a:endParaRPr lang="en-US" dirty="0" smtClean="0"/>
           </a:p>
           <a:p>
             <a:pPr lvl="1"/>
             <a:r>
               <a:rPr lang="en-US" dirty="0" smtClean="0"/>
-              <a:t>Identify </a:t>
-            </a:r>
-            <a:r>
-              <a:rPr lang="en-US" dirty="0" smtClean="0"/>
-              <a:t>potentially interesting </a:t>
-            </a:r>
-            <a:r>
-              <a:rPr lang="en-US" dirty="0" smtClean="0"/>
-              <a:t>variables</a:t>
-            </a:r>
-            <a:endParaRPr lang="en-US" dirty="0" smtClean="0"/>
+              <a:t>Identify potentially interesting variables</a:t>
+            </a:r>
           </a:p>
         </p:txBody>
       </p:sp>
@@ -21237,11 +21193,7 @@
           <a:p>
             <a:r>
               <a:rPr lang="en-US" dirty="0" smtClean="0"/>
-              <a:t>Domain testing </a:t>
-            </a:r>
-            <a:r>
-              <a:rPr lang="en-US" dirty="0" smtClean="0"/>
-              <a:t>process – Primary </a:t>
+              <a:t>Domain testing process – Primary </a:t>
             </a:r>
             <a:r>
               <a:rPr lang="en-US" dirty="0" err="1" smtClean="0"/>
@@ -21629,11 +21581,6 @@
                 </a:rPr>
                 <a:t>Primary Dimensions:</a:t>
               </a:r>
-              <a:endParaRPr lang="en-US" kern="0" dirty="0" smtClean="0">
-                <a:solidFill>
-                  <a:schemeClr val="bg1"/>
-                </a:solidFill>
-              </a:endParaRPr>
             </a:p>
           </p:txBody>
         </p:sp>
@@ -23112,23 +23059,13 @@
               <a:rPr lang="en-US" dirty="0" smtClean="0"/>
               <a:t>)</a:t>
             </a:r>
-            <a:endParaRPr lang="en-US" dirty="0" smtClean="0"/>
           </a:p>
           <a:p>
             <a:pPr lvl="1"/>
             <a:r>
               <a:rPr lang="en-US" dirty="0" smtClean="0"/>
-              <a:t>Identify </a:t>
-            </a:r>
-            <a:r>
-              <a:rPr lang="en-US" dirty="0" smtClean="0"/>
-              <a:t>potentially interesting </a:t>
-            </a:r>
-            <a:r>
-              <a:rPr lang="en-US" dirty="0" smtClean="0"/>
-              <a:t>variables</a:t>
-            </a:r>
-            <a:endParaRPr lang="en-US" dirty="0" smtClean="0"/>
+              <a:t>Identify potentially interesting variables</a:t>
+            </a:r>
           </a:p>
         </p:txBody>
       </p:sp>
@@ -23149,11 +23086,7 @@
           <a:p>
             <a:r>
               <a:rPr lang="en-US" dirty="0" smtClean="0"/>
-              <a:t>Domain testing </a:t>
-            </a:r>
-            <a:r>
-              <a:rPr lang="en-US" dirty="0" smtClean="0"/>
-              <a:t>process – Characterize Variable</a:t>
+              <a:t>Domain testing process – Characterize Variable</a:t>
             </a:r>
             <a:endParaRPr lang="en-US" dirty="0"/>
           </a:p>
@@ -23553,11 +23486,6 @@
                 </a:rPr>
                 <a:t>)</a:t>
               </a:r>
-              <a:endParaRPr lang="en-US" kern="0" dirty="0" smtClean="0">
-                <a:solidFill>
-                  <a:schemeClr val="bg1"/>
-                </a:solidFill>
-              </a:endParaRPr>
             </a:p>
           </p:txBody>
         </p:sp>
@@ -25038,11 +24966,6 @@
                 </a:rPr>
                 <a:t>Gender (2), Education (3), Role (3)</a:t>
               </a:r>
-              <a:endParaRPr lang="en-US" kern="0" dirty="0" smtClean="0">
-                <a:solidFill>
-                  <a:schemeClr val="bg1"/>
-                </a:solidFill>
-              </a:endParaRPr>
             </a:p>
           </p:txBody>
         </p:sp>
@@ -25991,11 +25914,7 @@
           <a:p>
             <a:r>
               <a:rPr lang="en-US" dirty="0" smtClean="0"/>
-              <a:t>Domain testing </a:t>
-            </a:r>
-            <a:r>
-              <a:rPr lang="en-US" dirty="0" smtClean="0"/>
-              <a:t>process – Analyze variables and create tests</a:t>
+              <a:t>Domain testing process – Analyze variables and create tests</a:t>
             </a:r>
             <a:endParaRPr lang="en-US" dirty="0"/>
           </a:p>
@@ -26177,11 +26096,6 @@
               </a:rPr>
               <a:t>equivalence class requires one test case</a:t>
             </a:r>
-            <a:endParaRPr lang="en-US" dirty="0">
-              <a:solidFill>
-                <a:schemeClr val="bg1"/>
-              </a:solidFill>
-            </a:endParaRPr>
           </a:p>
         </p:txBody>
       </p:sp>
@@ -26776,11 +26690,7 @@
           <a:p>
             <a:r>
               <a:rPr lang="en-US" dirty="0" smtClean="0"/>
-              <a:t>Domain testing </a:t>
-            </a:r>
-            <a:r>
-              <a:rPr lang="en-US" dirty="0" smtClean="0"/>
-              <a:t>process – Analyze variables and create tests</a:t>
+              <a:t>Domain testing process – Analyze variables and create tests</a:t>
             </a:r>
             <a:endParaRPr lang="en-US" dirty="0"/>
           </a:p>
@@ -28305,7 +28215,6 @@
               <a:rPr lang="en-US" dirty="0"/>
               <a:t>Domain testing process – Analyze variables and create tests</a:t>
             </a:r>
-            <a:endParaRPr lang="en-US" dirty="0"/>
           </a:p>
         </p:txBody>
       </p:sp>
@@ -30253,18 +30162,18 @@
 </file>
 
 <file path=customXml/item1.xml><?xml version="1.0" encoding="utf-8"?>
-<p:properties xmlns:p="http://schemas.microsoft.com/office/2006/metadata/properties" xmlns:xsi="http://www.w3.org/2001/XMLSchema-instance" xmlns:pc="http://schemas.microsoft.com/office/infopath/2007/PartnerControls">
-  <documentManagement/>
-</p:properties>
-</file>
-
-<file path=customXml/item2.xml><?xml version="1.0" encoding="utf-8"?>
 <?mso-contentType ?>
 <FormTemplates xmlns="http://schemas.microsoft.com/sharepoint/v3/contenttype/forms">
   <Display>DocumentLibraryForm</Display>
   <Edit>DocumentLibraryForm</Edit>
   <New>DocumentLibraryForm</New>
 </FormTemplates>
+</file>
+
+<file path=customXml/item2.xml><?xml version="1.0" encoding="utf-8"?>
+<p:properties xmlns:p="http://schemas.microsoft.com/office/2006/metadata/properties" xmlns:xsi="http://www.w3.org/2001/XMLSchema-instance" xmlns:pc="http://schemas.microsoft.com/office/infopath/2007/PartnerControls">
+  <documentManagement/>
+</p:properties>
 </file>
 
 <file path=customXml/item3.xml><?xml version="1.0" encoding="utf-8"?>
@@ -30382,6 +30291,14 @@
 </file>
 
 <file path=customXml/itemProps1.xml><?xml version="1.0" encoding="utf-8"?>
+<ds:datastoreItem xmlns:ds="http://schemas.openxmlformats.org/officeDocument/2006/customXml" ds:itemID="{A99115DC-C02A-4EF3-990D-5FF7CC0EE91A}">
+  <ds:schemaRefs>
+    <ds:schemaRef ds:uri="http://schemas.microsoft.com/sharepoint/v3/contenttype/forms"/>
+  </ds:schemaRefs>
+</ds:datastoreItem>
+</file>
+
+<file path=customXml/itemProps2.xml><?xml version="1.0" encoding="utf-8"?>
 <ds:datastoreItem xmlns:ds="http://schemas.openxmlformats.org/officeDocument/2006/customXml" ds:itemID="{ED5C1EDB-6CF4-4DF3-AC39-1ADF53226D00}">
   <ds:schemaRefs>
     <ds:schemaRef ds:uri="http://schemas.openxmlformats.org/package/2006/metadata/core-properties"/>
@@ -30392,14 +30309,6 @@
     <ds:schemaRef ds:uri="http://purl.org/dc/elements/1.1/"/>
     <ds:schemaRef ds:uri="http://www.w3.org/XML/1998/namespace"/>
     <ds:schemaRef ds:uri="http://schemas.microsoft.com/office/2006/metadata/properties"/>
-  </ds:schemaRefs>
-</ds:datastoreItem>
-</file>
-
-<file path=customXml/itemProps2.xml><?xml version="1.0" encoding="utf-8"?>
-<ds:datastoreItem xmlns:ds="http://schemas.openxmlformats.org/officeDocument/2006/customXml" ds:itemID="{A99115DC-C02A-4EF3-990D-5FF7CC0EE91A}">
-  <ds:schemaRefs>
-    <ds:schemaRef ds:uri="http://schemas.microsoft.com/sharepoint/v3/contenttype/forms"/>
   </ds:schemaRefs>
 </ds:datastoreItem>
 </file>
